--- a/Project 01.pptx
+++ b/Project 01.pptx
@@ -5,32 +5,33 @@
     <p:sldMasterId id="2147483648" r:id="rId1"/>
   </p:sldMasterIdLst>
   <p:notesMasterIdLst>
-    <p:notesMasterId r:id="rId17"/>
+    <p:notesMasterId r:id="rId18"/>
   </p:notesMasterIdLst>
   <p:handoutMasterIdLst>
-    <p:handoutMasterId r:id="rId18"/>
+    <p:handoutMasterId r:id="rId19"/>
   </p:handoutMasterIdLst>
   <p:sldIdLst>
     <p:sldId id="265" r:id="rId2"/>
     <p:sldId id="322" r:id="rId3"/>
-    <p:sldId id="310" r:id="rId4"/>
-    <p:sldId id="321" r:id="rId5"/>
-    <p:sldId id="311" r:id="rId6"/>
-    <p:sldId id="320" r:id="rId7"/>
-    <p:sldId id="313" r:id="rId8"/>
-    <p:sldId id="312" r:id="rId9"/>
-    <p:sldId id="323" r:id="rId10"/>
-    <p:sldId id="314" r:id="rId11"/>
-    <p:sldId id="315" r:id="rId12"/>
-    <p:sldId id="316" r:id="rId13"/>
-    <p:sldId id="317" r:id="rId14"/>
-    <p:sldId id="318" r:id="rId15"/>
-    <p:sldId id="319" r:id="rId16"/>
+    <p:sldId id="324" r:id="rId4"/>
+    <p:sldId id="310" r:id="rId5"/>
+    <p:sldId id="321" r:id="rId6"/>
+    <p:sldId id="311" r:id="rId7"/>
+    <p:sldId id="320" r:id="rId8"/>
+    <p:sldId id="313" r:id="rId9"/>
+    <p:sldId id="312" r:id="rId10"/>
+    <p:sldId id="323" r:id="rId11"/>
+    <p:sldId id="314" r:id="rId12"/>
+    <p:sldId id="315" r:id="rId13"/>
+    <p:sldId id="316" r:id="rId14"/>
+    <p:sldId id="317" r:id="rId15"/>
+    <p:sldId id="318" r:id="rId16"/>
+    <p:sldId id="319" r:id="rId17"/>
   </p:sldIdLst>
   <p:sldSz cx="12188825" cy="6858000"/>
   <p:notesSz cx="6858000" cy="9144000"/>
   <p:custDataLst>
-    <p:tags r:id="rId19"/>
+    <p:tags r:id="rId20"/>
   </p:custDataLst>
   <p:defaultTextStyle>
     <a:defPPr>
@@ -7918,7 +7919,7 @@
       </p:grpSpPr>
       <p:sp>
         <p:nvSpPr>
-          <p:cNvPr id="2" name="Title 1"/>
+          <p:cNvPr id="13" name="Title 12"/>
           <p:cNvSpPr>
             <a:spLocks noGrp="1"/>
           </p:cNvSpPr>
@@ -7928,18 +7929,61 @@
         </p:nvSpPr>
         <p:spPr>
           <a:xfrm>
-            <a:off x="1217612" y="3048000"/>
-            <a:ext cx="8692399" cy="762000"/>
+            <a:off x="1522413" y="1143000"/>
+            <a:ext cx="9144001" cy="609600"/>
           </a:xfrm>
         </p:spPr>
         <p:txBody>
           <a:bodyPr/>
           <a:lstStyle/>
           <a:p>
-            <a:pPr algn="ctr"/>
-            <a:r>
-              <a:rPr lang="en-US" dirty="0"/>
-              <a:t>Questions?</a:t>
+            <a:r>
+              <a:rPr lang="en-US" b="1" dirty="0"/>
+              <a:t>Post </a:t>
+            </a:r>
+            <a:r>
+              <a:rPr lang="en-US" b="1" dirty="0" err="1"/>
+              <a:t>Mortum</a:t>
+            </a:r>
+            <a:r>
+              <a:rPr lang="en-US" b="1" dirty="0"/>
+              <a:t> &amp; Difficulties</a:t>
+            </a:r>
+          </a:p>
+        </p:txBody>
+      </p:sp>
+      <p:sp>
+        <p:nvSpPr>
+          <p:cNvPr id="14" name="Content Placeholder 13"/>
+          <p:cNvSpPr>
+            <a:spLocks noGrp="1"/>
+          </p:cNvSpPr>
+          <p:nvPr>
+            <p:ph idx="1"/>
+          </p:nvPr>
+        </p:nvSpPr>
+        <p:spPr/>
+        <p:txBody>
+          <a:bodyPr>
+            <a:normAutofit/>
+          </a:bodyPr>
+          <a:lstStyle/>
+          <a:p>
+            <a:r>
+              <a:rPr lang="en-US" sz="1800" dirty="0"/>
+              <a:t>Our biggest challenge proved to be connecting to data</a:t>
+            </a:r>
+          </a:p>
+          <a:p>
+            <a:r>
+              <a:rPr lang="en-US" sz="1800" dirty="0"/>
+              <a:t>Several hours were spent running simulations to identify trending</a:t>
+            </a:r>
+          </a:p>
+          <a:p>
+            <a:r>
+              <a:rPr lang="en-US" sz="1800" dirty="0"/>
+              <a:t>Discuss any additional questions that came up, but which you didn't have time to answer: What would you research next, if you had two more weeks?</a:t>
             </a:r>
           </a:p>
         </p:txBody>
@@ -7947,7 +7991,7 @@
     </p:spTree>
     <p:extLst>
       <p:ext uri="{BB962C8B-B14F-4D97-AF65-F5344CB8AC3E}">
-        <p14:creationId xmlns:p14="http://schemas.microsoft.com/office/powerpoint/2010/main" val="2478160142"/>
+        <p14:creationId xmlns:p14="http://schemas.microsoft.com/office/powerpoint/2010/main" val="2024222284"/>
       </p:ext>
     </p:extLst>
   </p:cSld>
@@ -7996,98 +8040,28 @@
             <p:ph type="title"/>
           </p:nvPr>
         </p:nvSpPr>
-        <p:spPr/>
+        <p:spPr>
+          <a:xfrm>
+            <a:off x="1217612" y="3048000"/>
+            <a:ext cx="8692399" cy="762000"/>
+          </a:xfrm>
+        </p:spPr>
         <p:txBody>
           <a:bodyPr/>
           <a:lstStyle/>
           <a:p>
+            <a:pPr algn="ctr"/>
             <a:r>
               <a:rPr lang="en-US" dirty="0"/>
-              <a:t>Add a Slide Title - 2</a:t>
-            </a:r>
-          </a:p>
-        </p:txBody>
-      </p:sp>
-      <p:sp>
-        <p:nvSpPr>
-          <p:cNvPr id="3" name="Text Placeholder 2"/>
-          <p:cNvSpPr>
-            <a:spLocks noGrp="1"/>
-          </p:cNvSpPr>
-          <p:nvPr>
-            <p:ph type="body" idx="1"/>
-          </p:nvPr>
-        </p:nvSpPr>
-        <p:spPr/>
-        <p:txBody>
-          <a:bodyPr/>
-          <a:lstStyle/>
-          <a:p>
-            <a:endParaRPr lang="en-US"/>
-          </a:p>
-        </p:txBody>
-      </p:sp>
-      <p:sp>
-        <p:nvSpPr>
-          <p:cNvPr id="4" name="Content Placeholder 3"/>
-          <p:cNvSpPr>
-            <a:spLocks noGrp="1"/>
-          </p:cNvSpPr>
-          <p:nvPr>
-            <p:ph sz="half" idx="2"/>
-          </p:nvPr>
-        </p:nvSpPr>
-        <p:spPr/>
-        <p:txBody>
-          <a:bodyPr/>
-          <a:lstStyle/>
-          <a:p>
-            <a:endParaRPr lang="en-US"/>
-          </a:p>
-        </p:txBody>
-      </p:sp>
-      <p:sp>
-        <p:nvSpPr>
-          <p:cNvPr id="5" name="Text Placeholder 4"/>
-          <p:cNvSpPr>
-            <a:spLocks noGrp="1"/>
-          </p:cNvSpPr>
-          <p:nvPr>
-            <p:ph type="body" sz="quarter" idx="3"/>
-          </p:nvPr>
-        </p:nvSpPr>
-        <p:spPr/>
-        <p:txBody>
-          <a:bodyPr/>
-          <a:lstStyle/>
-          <a:p>
-            <a:endParaRPr lang="en-US"/>
-          </a:p>
-        </p:txBody>
-      </p:sp>
-      <p:sp>
-        <p:nvSpPr>
-          <p:cNvPr id="6" name="Content Placeholder 5"/>
-          <p:cNvSpPr>
-            <a:spLocks noGrp="1"/>
-          </p:cNvSpPr>
-          <p:nvPr>
-            <p:ph sz="quarter" idx="4"/>
-          </p:nvPr>
-        </p:nvSpPr>
-        <p:spPr/>
-        <p:txBody>
-          <a:bodyPr/>
-          <a:lstStyle/>
-          <a:p>
-            <a:endParaRPr lang="en-US"/>
+              <a:t>Questions?</a:t>
+            </a:r>
           </a:p>
         </p:txBody>
       </p:sp>
     </p:spTree>
     <p:extLst>
       <p:ext uri="{BB962C8B-B14F-4D97-AF65-F5344CB8AC3E}">
-        <p14:creationId xmlns:p14="http://schemas.microsoft.com/office/powerpoint/2010/main" val="2681425051"/>
+        <p14:creationId xmlns:p14="http://schemas.microsoft.com/office/powerpoint/2010/main" val="2478160142"/>
       </p:ext>
     </p:extLst>
   </p:cSld>
@@ -8143,6 +8117,146 @@
           <a:p>
             <a:r>
               <a:rPr lang="en-US" dirty="0"/>
+              <a:t>Add a Slide Title - 2</a:t>
+            </a:r>
+          </a:p>
+        </p:txBody>
+      </p:sp>
+      <p:sp>
+        <p:nvSpPr>
+          <p:cNvPr id="3" name="Text Placeholder 2"/>
+          <p:cNvSpPr>
+            <a:spLocks noGrp="1"/>
+          </p:cNvSpPr>
+          <p:nvPr>
+            <p:ph type="body" idx="1"/>
+          </p:nvPr>
+        </p:nvSpPr>
+        <p:spPr/>
+        <p:txBody>
+          <a:bodyPr/>
+          <a:lstStyle/>
+          <a:p>
+            <a:endParaRPr lang="en-US"/>
+          </a:p>
+        </p:txBody>
+      </p:sp>
+      <p:sp>
+        <p:nvSpPr>
+          <p:cNvPr id="4" name="Content Placeholder 3"/>
+          <p:cNvSpPr>
+            <a:spLocks noGrp="1"/>
+          </p:cNvSpPr>
+          <p:nvPr>
+            <p:ph sz="half" idx="2"/>
+          </p:nvPr>
+        </p:nvSpPr>
+        <p:spPr/>
+        <p:txBody>
+          <a:bodyPr/>
+          <a:lstStyle/>
+          <a:p>
+            <a:endParaRPr lang="en-US"/>
+          </a:p>
+        </p:txBody>
+      </p:sp>
+      <p:sp>
+        <p:nvSpPr>
+          <p:cNvPr id="5" name="Text Placeholder 4"/>
+          <p:cNvSpPr>
+            <a:spLocks noGrp="1"/>
+          </p:cNvSpPr>
+          <p:nvPr>
+            <p:ph type="body" sz="quarter" idx="3"/>
+          </p:nvPr>
+        </p:nvSpPr>
+        <p:spPr/>
+        <p:txBody>
+          <a:bodyPr/>
+          <a:lstStyle/>
+          <a:p>
+            <a:endParaRPr lang="en-US"/>
+          </a:p>
+        </p:txBody>
+      </p:sp>
+      <p:sp>
+        <p:nvSpPr>
+          <p:cNvPr id="6" name="Content Placeholder 5"/>
+          <p:cNvSpPr>
+            <a:spLocks noGrp="1"/>
+          </p:cNvSpPr>
+          <p:nvPr>
+            <p:ph sz="quarter" idx="4"/>
+          </p:nvPr>
+        </p:nvSpPr>
+        <p:spPr/>
+        <p:txBody>
+          <a:bodyPr/>
+          <a:lstStyle/>
+          <a:p>
+            <a:endParaRPr lang="en-US"/>
+          </a:p>
+        </p:txBody>
+      </p:sp>
+    </p:spTree>
+    <p:extLst>
+      <p:ext uri="{BB962C8B-B14F-4D97-AF65-F5344CB8AC3E}">
+        <p14:creationId xmlns:p14="http://schemas.microsoft.com/office/powerpoint/2010/main" val="2681425051"/>
+      </p:ext>
+    </p:extLst>
+  </p:cSld>
+  <p:clrMapOvr>
+    <a:masterClrMapping/>
+  </p:clrMapOvr>
+  <mc:AlternateContent xmlns:mc="http://schemas.openxmlformats.org/markup-compatibility/2006" xmlns:p14="http://schemas.microsoft.com/office/powerpoint/2010/main">
+    <mc:Choice Requires="p14">
+      <p:transition spd="med" p14:dur="700">
+        <p:fade/>
+      </p:transition>
+    </mc:Choice>
+    <mc:Fallback xmlns="">
+      <p:transition spd="med">
+        <p:fade/>
+      </p:transition>
+    </mc:Fallback>
+  </mc:AlternateContent>
+</p:sld>
+</file>
+
+<file path=ppt/slides/slide13.xml><?xml version="1.0" encoding="utf-8"?>
+<p:sld xmlns:a="http://schemas.openxmlformats.org/drawingml/2006/main" xmlns:r="http://schemas.openxmlformats.org/officeDocument/2006/relationships" xmlns:p="http://schemas.openxmlformats.org/presentationml/2006/main">
+  <p:cSld>
+    <p:spTree>
+      <p:nvGrpSpPr>
+        <p:cNvPr id="1" name=""/>
+        <p:cNvGrpSpPr/>
+        <p:nvPr/>
+      </p:nvGrpSpPr>
+      <p:grpSpPr>
+        <a:xfrm>
+          <a:off x="0" y="0"/>
+          <a:ext cx="0" cy="0"/>
+          <a:chOff x="0" y="0"/>
+          <a:chExt cx="0" cy="0"/>
+        </a:xfrm>
+      </p:grpSpPr>
+      <p:sp>
+        <p:nvSpPr>
+          <p:cNvPr id="2" name="Title 1"/>
+          <p:cNvSpPr>
+            <a:spLocks noGrp="1"/>
+          </p:cNvSpPr>
+          <p:nvPr>
+            <p:ph type="title"/>
+          </p:nvPr>
+        </p:nvSpPr>
+        <p:spPr/>
+        <p:txBody>
+          <a:bodyPr/>
+          <a:lstStyle/>
+          <a:p>
+            <a:r>
+              <a:rPr lang="en-US" dirty="0"/>
               <a:t>Add a Slide Title - 3</a:t>
             </a:r>
           </a:p>
@@ -8173,7 +8287,7 @@
 </p:sld>
 </file>
 
-<file path=ppt/slides/slide13.xml><?xml version="1.0" encoding="utf-8"?>
+<file path=ppt/slides/slide14.xml><?xml version="1.0" encoding="utf-8"?>
 <p:sld xmlns:a="http://schemas.openxmlformats.org/drawingml/2006/main" xmlns:r="http://schemas.openxmlformats.org/officeDocument/2006/relationships" xmlns:p="http://schemas.openxmlformats.org/presentationml/2006/main">
   <p:cSld>
     <p:spTree>
@@ -8215,7 +8329,7 @@
 </p:sld>
 </file>
 
-<file path=ppt/slides/slide14.xml><?xml version="1.0" encoding="utf-8"?>
+<file path=ppt/slides/slide15.xml><?xml version="1.0" encoding="utf-8"?>
 <p:sld xmlns:a="http://schemas.openxmlformats.org/drawingml/2006/main" xmlns:r="http://schemas.openxmlformats.org/officeDocument/2006/relationships" xmlns:p="http://schemas.openxmlformats.org/presentationml/2006/main">
   <p:cSld>
     <p:spTree>
@@ -8317,7 +8431,7 @@
 </p:sld>
 </file>
 
-<file path=ppt/slides/slide15.xml><?xml version="1.0" encoding="utf-8"?>
+<file path=ppt/slides/slide16.xml><?xml version="1.0" encoding="utf-8"?>
 <p:sld xmlns:a="http://schemas.openxmlformats.org/drawingml/2006/main" xmlns:r="http://schemas.openxmlformats.org/officeDocument/2006/relationships" xmlns:p="http://schemas.openxmlformats.org/presentationml/2006/main">
   <p:cSld>
     <p:spTree>
@@ -8481,29 +8595,36 @@
             <a:pPr lvl="1"/>
             <a:r>
               <a:rPr lang="en-US" dirty="0"/>
-              <a:t>We wanted to know based on historical data if crypto currencies were a good option for long term investments</a:t>
+              <a:t>We wanted to know based on historical data if crypto currencies were a good option for long term investments?</a:t>
             </a:r>
           </a:p>
           <a:p>
             <a:pPr lvl="1"/>
             <a:r>
               <a:rPr lang="en-US" dirty="0"/>
-              <a:t>Are crypto currencies a good choice to use to trade with?</a:t>
+              <a:t>Using historical data are crypto currencies a good choice to use to trade with?</a:t>
             </a:r>
           </a:p>
           <a:p>
             <a:pPr lvl="1"/>
             <a:r>
               <a:rPr lang="en-US" dirty="0"/>
-              <a:t>Do currency changes correlate with </a:t>
+              <a:t>Do currency changes correlate with each other?</a:t>
+            </a:r>
+          </a:p>
+          <a:p>
+            <a:pPr lvl="1"/>
+            <a:r>
+              <a:rPr lang="en-US" dirty="0"/>
+              <a:t>We leveraged Bitcoin, </a:t>
             </a:r>
             <a:r>
               <a:rPr lang="en-US" dirty="0" err="1"/>
-              <a:t>eachother</a:t>
+              <a:t>LiteCoin</a:t>
             </a:r>
             <a:r>
               <a:rPr lang="en-US" dirty="0"/>
-              <a:t>?</a:t>
+              <a:t>, and Ethereum</a:t>
             </a:r>
           </a:p>
           <a:p>
@@ -8573,14 +8694,19 @@
             <p:ph type="title"/>
           </p:nvPr>
         </p:nvSpPr>
-        <p:spPr/>
+        <p:spPr>
+          <a:xfrm>
+            <a:off x="1522413" y="1143000"/>
+            <a:ext cx="9144001" cy="609600"/>
+          </a:xfrm>
+        </p:spPr>
         <p:txBody>
           <a:bodyPr/>
           <a:lstStyle/>
           <a:p>
             <a:r>
               <a:rPr lang="en-US" b="1" dirty="0"/>
-              <a:t>HISTORY &amp; EVOLUTION</a:t>
+              <a:t>Results High-level</a:t>
             </a:r>
           </a:p>
         </p:txBody>
@@ -8600,78 +8726,37 @@
           <a:bodyPr/>
           <a:lstStyle/>
           <a:p>
-            <a:r>
-              <a:rPr lang="en-US" b="1" dirty="0"/>
-              <a:t>1998 – 2009 The pre-Bitcoin years</a:t>
-            </a:r>
-          </a:p>
-          <a:p>
             <a:pPr lvl="1"/>
             <a:r>
-              <a:rPr lang="en-US" sz="1600" dirty="0"/>
-              <a:t>Although Bitcoin was the first established </a:t>
-            </a:r>
-            <a:r>
-              <a:rPr lang="en-US" sz="1600" dirty="0">
-                <a:hlinkClick r:id="rId2"/>
-              </a:rPr>
-              <a:t>cryptocurrency</a:t>
-            </a:r>
-            <a:r>
-              <a:rPr lang="en-US" sz="1600" dirty="0"/>
-              <a:t>, there had been previous attempts at creating online currencies, two examples of these were B-Money and Bit Gold, which were formulated but never fully developed.</a:t>
+              <a:rPr lang="en-US" dirty="0"/>
+              <a:t>Based off of 2018 historical data, crypto currencies do not make a good long term investment</a:t>
             </a:r>
           </a:p>
           <a:p>
             <a:pPr lvl="1"/>
             <a:r>
               <a:rPr lang="en-US" dirty="0"/>
-              <a:t>In 2009, a paper called </a:t>
-            </a:r>
-            <a:r>
-              <a:rPr lang="en-US" dirty="0">
-                <a:hlinkClick r:id="rId3"/>
-              </a:rPr>
-              <a:t>Bitcoin – A Peer to Peer Electronic Cash System</a:t>
-            </a:r>
+              <a:t>However choosing to trade currencies can make for a profitable portfolio as you will see in the next few slides</a:t>
+            </a:r>
+          </a:p>
+          <a:p>
+            <a:pPr lvl="1"/>
             <a:r>
               <a:rPr lang="en-US" dirty="0"/>
-              <a:t> was posted to a mailing list discussion on cryptography, by Satoshi Nakamoto, whose real identity remains a mystery.</a:t>
-            </a:r>
-            <a:endParaRPr lang="en-US" b="1" dirty="0"/>
-          </a:p>
-          <a:p>
-            <a:pPr lvl="1"/>
-            <a:r>
-              <a:rPr lang="en-US" dirty="0"/>
-              <a:t>In 2010, Bitcoin is finally valued, then in 2011 rivals appear (</a:t>
-            </a:r>
-            <a:r>
-              <a:rPr lang="en-US" dirty="0" err="1"/>
-              <a:t>Namecoin</a:t>
-            </a:r>
-            <a:r>
-              <a:rPr lang="en-US" dirty="0"/>
-              <a:t> &amp; Litecoin) which led to Bitcoin crash in 2013.</a:t>
-            </a:r>
-          </a:p>
-          <a:p>
-            <a:pPr lvl="1"/>
-            <a:r>
-              <a:rPr lang="en-US" dirty="0" err="1"/>
-              <a:t>Ehereum</a:t>
-            </a:r>
-            <a:r>
-              <a:rPr lang="en-US" dirty="0"/>
-              <a:t> appears in 2016 </a:t>
-            </a:r>
+              <a:t>Daily variances </a:t>
+            </a:r>
+            <a:r>
+              <a:rPr lang="en-US"/>
+              <a:t>vary greatly</a:t>
+            </a:r>
+            <a:endParaRPr lang="en-US" dirty="0"/>
           </a:p>
         </p:txBody>
       </p:sp>
     </p:spTree>
     <p:extLst>
       <p:ext uri="{BB962C8B-B14F-4D97-AF65-F5344CB8AC3E}">
-        <p14:creationId xmlns:p14="http://schemas.microsoft.com/office/powerpoint/2010/main" val="2139132589"/>
+        <p14:creationId xmlns:p14="http://schemas.microsoft.com/office/powerpoint/2010/main" val="348309775"/>
       </p:ext>
     </p:extLst>
   </p:cSld>
@@ -8720,6 +8805,153 @@
             <p:ph type="title"/>
           </p:nvPr>
         </p:nvSpPr>
+        <p:spPr/>
+        <p:txBody>
+          <a:bodyPr/>
+          <a:lstStyle/>
+          <a:p>
+            <a:r>
+              <a:rPr lang="en-US" b="1" dirty="0"/>
+              <a:t>HISTORY &amp; EVOLUTION</a:t>
+            </a:r>
+          </a:p>
+        </p:txBody>
+      </p:sp>
+      <p:sp>
+        <p:nvSpPr>
+          <p:cNvPr id="14" name="Content Placeholder 13"/>
+          <p:cNvSpPr>
+            <a:spLocks noGrp="1"/>
+          </p:cNvSpPr>
+          <p:nvPr>
+            <p:ph idx="1"/>
+          </p:nvPr>
+        </p:nvSpPr>
+        <p:spPr/>
+        <p:txBody>
+          <a:bodyPr/>
+          <a:lstStyle/>
+          <a:p>
+            <a:r>
+              <a:rPr lang="en-US" b="1" dirty="0"/>
+              <a:t>1998 – 2009 The pre-Bitcoin years</a:t>
+            </a:r>
+          </a:p>
+          <a:p>
+            <a:pPr lvl="1"/>
+            <a:r>
+              <a:rPr lang="en-US" sz="1600" dirty="0"/>
+              <a:t>Although Bitcoin was the first established </a:t>
+            </a:r>
+            <a:r>
+              <a:rPr lang="en-US" sz="1600" dirty="0">
+                <a:hlinkClick r:id="rId2"/>
+              </a:rPr>
+              <a:t>cryptocurrency</a:t>
+            </a:r>
+            <a:r>
+              <a:rPr lang="en-US" sz="1600" dirty="0"/>
+              <a:t>, there had been previous attempts at creating online currencies, two examples of these were B-Money and Bit Gold, which were formulated but never fully developed.</a:t>
+            </a:r>
+          </a:p>
+          <a:p>
+            <a:pPr lvl="1"/>
+            <a:r>
+              <a:rPr lang="en-US" dirty="0"/>
+              <a:t>In 2009, a paper called </a:t>
+            </a:r>
+            <a:r>
+              <a:rPr lang="en-US" dirty="0">
+                <a:hlinkClick r:id="rId3"/>
+              </a:rPr>
+              <a:t>Bitcoin – A Peer to Peer Electronic Cash System</a:t>
+            </a:r>
+            <a:r>
+              <a:rPr lang="en-US" dirty="0"/>
+              <a:t> was posted to a mailing list discussion on cryptography, by Satoshi Nakamoto, whose real identity remains a mystery.</a:t>
+            </a:r>
+            <a:endParaRPr lang="en-US" b="1" dirty="0"/>
+          </a:p>
+          <a:p>
+            <a:pPr lvl="1"/>
+            <a:r>
+              <a:rPr lang="en-US" dirty="0"/>
+              <a:t>In 2010, Bitcoin is finally valued, then in 2011 rivals appear (</a:t>
+            </a:r>
+            <a:r>
+              <a:rPr lang="en-US" dirty="0" err="1"/>
+              <a:t>Namecoin</a:t>
+            </a:r>
+            <a:r>
+              <a:rPr lang="en-US" dirty="0"/>
+              <a:t> &amp; Litecoin) which led to Bitcoin crash in 2013.</a:t>
+            </a:r>
+          </a:p>
+          <a:p>
+            <a:pPr lvl="1"/>
+            <a:r>
+              <a:rPr lang="en-US" dirty="0" err="1"/>
+              <a:t>Ehereum</a:t>
+            </a:r>
+            <a:r>
+              <a:rPr lang="en-US" dirty="0"/>
+              <a:t> appears in 2016 </a:t>
+            </a:r>
+          </a:p>
+        </p:txBody>
+      </p:sp>
+    </p:spTree>
+    <p:extLst>
+      <p:ext uri="{BB962C8B-B14F-4D97-AF65-F5344CB8AC3E}">
+        <p14:creationId xmlns:p14="http://schemas.microsoft.com/office/powerpoint/2010/main" val="2139132589"/>
+      </p:ext>
+    </p:extLst>
+  </p:cSld>
+  <p:clrMapOvr>
+    <a:masterClrMapping/>
+  </p:clrMapOvr>
+  <mc:AlternateContent xmlns:mc="http://schemas.openxmlformats.org/markup-compatibility/2006" xmlns:p14="http://schemas.microsoft.com/office/powerpoint/2010/main">
+    <mc:Choice Requires="p14">
+      <p:transition spd="med" p14:dur="700">
+        <p:fade/>
+      </p:transition>
+    </mc:Choice>
+    <mc:Fallback xmlns="">
+      <p:transition spd="med">
+        <p:fade/>
+      </p:transition>
+    </mc:Fallback>
+  </mc:AlternateContent>
+</p:sld>
+</file>
+
+<file path=ppt/slides/slide5.xml><?xml version="1.0" encoding="utf-8"?>
+<p:sld xmlns:a="http://schemas.openxmlformats.org/drawingml/2006/main" xmlns:r="http://schemas.openxmlformats.org/officeDocument/2006/relationships" xmlns:p="http://schemas.openxmlformats.org/presentationml/2006/main">
+  <p:cSld>
+    <p:spTree>
+      <p:nvGrpSpPr>
+        <p:cNvPr id="1" name=""/>
+        <p:cNvGrpSpPr/>
+        <p:nvPr/>
+      </p:nvGrpSpPr>
+      <p:grpSpPr>
+        <a:xfrm>
+          <a:off x="0" y="0"/>
+          <a:ext cx="0" cy="0"/>
+          <a:chOff x="0" y="0"/>
+          <a:chExt cx="0" cy="0"/>
+        </a:xfrm>
+      </p:grpSpPr>
+      <p:sp>
+        <p:nvSpPr>
+          <p:cNvPr id="13" name="Title 12"/>
+          <p:cNvSpPr>
+            <a:spLocks noGrp="1"/>
+          </p:cNvSpPr>
+          <p:nvPr>
+            <p:ph type="title"/>
+          </p:nvPr>
+        </p:nvSpPr>
         <p:spPr>
           <a:xfrm>
             <a:off x="1522413" y="1143000"/>
@@ -8838,7 +9070,7 @@
 </p:sld>
 </file>
 
-<file path=ppt/slides/slide5.xml><?xml version="1.0" encoding="utf-8"?>
+<file path=ppt/slides/slide6.xml><?xml version="1.0" encoding="utf-8"?>
 <p:sld xmlns:a="http://schemas.openxmlformats.org/drawingml/2006/main" xmlns:r="http://schemas.openxmlformats.org/officeDocument/2006/relationships" xmlns:p="http://schemas.openxmlformats.org/presentationml/2006/main">
   <p:cSld>
     <p:spTree>
@@ -9084,7 +9316,7 @@
 </p:sld>
 </file>
 
-<file path=ppt/slides/slide6.xml><?xml version="1.0" encoding="utf-8"?>
+<file path=ppt/slides/slide7.xml><?xml version="1.0" encoding="utf-8"?>
 <p:sld xmlns:a="http://schemas.openxmlformats.org/drawingml/2006/main" xmlns:r="http://schemas.openxmlformats.org/officeDocument/2006/relationships" xmlns:p="http://schemas.openxmlformats.org/presentationml/2006/main">
   <p:cSld>
     <p:spTree>
@@ -9312,7 +9544,7 @@
 </p:sld>
 </file>
 
-<file path=ppt/slides/slide7.xml><?xml version="1.0" encoding="utf-8"?>
+<file path=ppt/slides/slide8.xml><?xml version="1.0" encoding="utf-8"?>
 <p:sld xmlns:a="http://schemas.openxmlformats.org/drawingml/2006/main" xmlns:r="http://schemas.openxmlformats.org/officeDocument/2006/relationships" xmlns:p="http://schemas.openxmlformats.org/presentationml/2006/main">
   <p:cSld>
     <p:spTree>
@@ -9661,7 +9893,7 @@
 </p:sld>
 </file>
 
-<file path=ppt/slides/slide8.xml><?xml version="1.0" encoding="utf-8"?>
+<file path=ppt/slides/slide9.xml><?xml version="1.0" encoding="utf-8"?>
 <p:sld xmlns:a="http://schemas.openxmlformats.org/drawingml/2006/main" xmlns:r="http://schemas.openxmlformats.org/officeDocument/2006/relationships" xmlns:p="http://schemas.openxmlformats.org/presentationml/2006/main">
   <p:cSld>
     <p:spTree>
@@ -9729,119 +9961,6 @@
     <p:extLst>
       <p:ext uri="{BB962C8B-B14F-4D97-AF65-F5344CB8AC3E}">
         <p14:creationId xmlns:p14="http://schemas.microsoft.com/office/powerpoint/2010/main" val="462238070"/>
-      </p:ext>
-    </p:extLst>
-  </p:cSld>
-  <p:clrMapOvr>
-    <a:masterClrMapping/>
-  </p:clrMapOvr>
-  <mc:AlternateContent xmlns:mc="http://schemas.openxmlformats.org/markup-compatibility/2006" xmlns:p14="http://schemas.microsoft.com/office/powerpoint/2010/main">
-    <mc:Choice Requires="p14">
-      <p:transition spd="med" p14:dur="700">
-        <p:fade/>
-      </p:transition>
-    </mc:Choice>
-    <mc:Fallback xmlns="">
-      <p:transition spd="med">
-        <p:fade/>
-      </p:transition>
-    </mc:Fallback>
-  </mc:AlternateContent>
-</p:sld>
-</file>
-
-<file path=ppt/slides/slide9.xml><?xml version="1.0" encoding="utf-8"?>
-<p:sld xmlns:a="http://schemas.openxmlformats.org/drawingml/2006/main" xmlns:r="http://schemas.openxmlformats.org/officeDocument/2006/relationships" xmlns:p="http://schemas.openxmlformats.org/presentationml/2006/main">
-  <p:cSld>
-    <p:spTree>
-      <p:nvGrpSpPr>
-        <p:cNvPr id="1" name=""/>
-        <p:cNvGrpSpPr/>
-        <p:nvPr/>
-      </p:nvGrpSpPr>
-      <p:grpSpPr>
-        <a:xfrm>
-          <a:off x="0" y="0"/>
-          <a:ext cx="0" cy="0"/>
-          <a:chOff x="0" y="0"/>
-          <a:chExt cx="0" cy="0"/>
-        </a:xfrm>
-      </p:grpSpPr>
-      <p:sp>
-        <p:nvSpPr>
-          <p:cNvPr id="13" name="Title 12"/>
-          <p:cNvSpPr>
-            <a:spLocks noGrp="1"/>
-          </p:cNvSpPr>
-          <p:nvPr>
-            <p:ph type="title"/>
-          </p:nvPr>
-        </p:nvSpPr>
-        <p:spPr>
-          <a:xfrm>
-            <a:off x="1522413" y="1143000"/>
-            <a:ext cx="9144001" cy="609600"/>
-          </a:xfrm>
-        </p:spPr>
-        <p:txBody>
-          <a:bodyPr/>
-          <a:lstStyle/>
-          <a:p>
-            <a:r>
-              <a:rPr lang="en-US" b="1" dirty="0"/>
-              <a:t>Post </a:t>
-            </a:r>
-            <a:r>
-              <a:rPr lang="en-US" b="1" dirty="0" err="1"/>
-              <a:t>Mortum</a:t>
-            </a:r>
-            <a:r>
-              <a:rPr lang="en-US" b="1" dirty="0"/>
-              <a:t> &amp; Difficulties</a:t>
-            </a:r>
-          </a:p>
-        </p:txBody>
-      </p:sp>
-      <p:sp>
-        <p:nvSpPr>
-          <p:cNvPr id="14" name="Content Placeholder 13"/>
-          <p:cNvSpPr>
-            <a:spLocks noGrp="1"/>
-          </p:cNvSpPr>
-          <p:nvPr>
-            <p:ph idx="1"/>
-          </p:nvPr>
-        </p:nvSpPr>
-        <p:spPr/>
-        <p:txBody>
-          <a:bodyPr>
-            <a:normAutofit/>
-          </a:bodyPr>
-          <a:lstStyle/>
-          <a:p>
-            <a:r>
-              <a:rPr lang="en-US" sz="1800" dirty="0"/>
-              <a:t>Our biggest challenge proved to be connecting to data</a:t>
-            </a:r>
-          </a:p>
-          <a:p>
-            <a:r>
-              <a:rPr lang="en-US" sz="1800" dirty="0"/>
-              <a:t>Several hours were spent running simulations to identify trending</a:t>
-            </a:r>
-          </a:p>
-          <a:p>
-            <a:r>
-              <a:rPr lang="en-US" sz="1800" dirty="0"/>
-              <a:t>Discuss any additional questions that came up, but which you didn't have time to answer: What would you research next, if you had two more weeks?</a:t>
-            </a:r>
-          </a:p>
-        </p:txBody>
-      </p:sp>
-    </p:spTree>
-    <p:extLst>
-      <p:ext uri="{BB962C8B-B14F-4D97-AF65-F5344CB8AC3E}">
-        <p14:creationId xmlns:p14="http://schemas.microsoft.com/office/powerpoint/2010/main" val="2024222284"/>
       </p:ext>
     </p:extLst>
   </p:cSld>

--- a/Project 01.pptx
+++ b/Project 01.pptx
@@ -8743,13 +8743,8 @@
             <a:pPr lvl="1"/>
             <a:r>
               <a:rPr lang="en-US" dirty="0"/>
-              <a:t>Daily variances </a:t>
-            </a:r>
-            <a:r>
-              <a:rPr lang="en-US"/>
-              <a:t>vary greatly</a:t>
-            </a:r>
-            <a:endParaRPr lang="en-US" dirty="0"/>
+              <a:t>Daily variances vary greatly</a:t>
+            </a:r>
           </a:p>
         </p:txBody>
       </p:sp>
@@ -9214,8 +9209,8 @@
         </p:nvSpPr>
         <p:spPr>
           <a:xfrm>
-            <a:off x="9790793" y="2514600"/>
-            <a:ext cx="2363787" cy="1323439"/>
+            <a:off x="9964964" y="3429000"/>
+            <a:ext cx="2363787" cy="1569660"/>
           </a:xfrm>
           <a:prstGeom prst="rect">
             <a:avLst/>
@@ -9230,7 +9225,7 @@
           <a:p>
             <a:r>
               <a:rPr lang="en-US" sz="1600" b="1" dirty="0"/>
-              <a:t>Mean % Change 2018</a:t>
+              <a:t>Coin with the greatest variance?</a:t>
             </a:r>
           </a:p>
           <a:p>
@@ -9238,20 +9233,18 @@
           </a:p>
           <a:p>
             <a:r>
+              <a:rPr lang="en-US" sz="1600" dirty="0" err="1"/>
+              <a:t>LiteCoin</a:t>
+            </a:r>
+            <a:r>
               <a:rPr lang="en-US" sz="1600" dirty="0"/>
-              <a:t>BTC% -3.395422e-01 </a:t>
+              <a:t>- Nearly 30% up</a:t>
             </a:r>
           </a:p>
           <a:p>
             <a:r>
               <a:rPr lang="en-US" sz="1600" dirty="0"/>
-              <a:t>ETH% -4.556945e-01 </a:t>
-            </a:r>
-          </a:p>
-          <a:p>
-            <a:r>
-              <a:rPr lang="en-US" sz="1600" dirty="0"/>
-              <a:t>LTC% -5.310612e-01</a:t>
+              <a:t>And 25% down in a single day!</a:t>
             </a:r>
           </a:p>
         </p:txBody>
@@ -9291,6 +9284,62 @@
           </a:xfrm>
         </p:spPr>
       </p:pic>
+      <p:sp>
+        <p:nvSpPr>
+          <p:cNvPr id="7" name="TextBox 6">
+            <a:extLst>
+              <a:ext uri="{FF2B5EF4-FFF2-40B4-BE49-F238E27FC236}">
+                <a16:creationId xmlns:a16="http://schemas.microsoft.com/office/drawing/2014/main" id="{AC60C14C-244B-ED4F-AFB4-ABAA8EC19A5F}"/>
+              </a:ext>
+            </a:extLst>
+          </p:cNvPr>
+          <p:cNvSpPr txBox="1"/>
+          <p:nvPr/>
+        </p:nvSpPr>
+        <p:spPr>
+          <a:xfrm>
+            <a:off x="9977438" y="1676400"/>
+            <a:ext cx="2363787" cy="1323439"/>
+          </a:xfrm>
+          <a:prstGeom prst="rect">
+            <a:avLst/>
+          </a:prstGeom>
+          <a:noFill/>
+        </p:spPr>
+        <p:txBody>
+          <a:bodyPr wrap="square" rtlCol="0">
+            <a:spAutoFit/>
+          </a:bodyPr>
+          <a:lstStyle/>
+          <a:p>
+            <a:r>
+              <a:rPr lang="en-US" sz="1600" b="1" dirty="0"/>
+              <a:t>Mean % Change 2018</a:t>
+            </a:r>
+          </a:p>
+          <a:p>
+            <a:endParaRPr lang="en-US" sz="1600" b="1" dirty="0"/>
+          </a:p>
+          <a:p>
+            <a:r>
+              <a:rPr lang="en-US" sz="1600" dirty="0"/>
+              <a:t>BTC% -3.395422e-01 </a:t>
+            </a:r>
+          </a:p>
+          <a:p>
+            <a:r>
+              <a:rPr lang="en-US" sz="1600" dirty="0"/>
+              <a:t>ETH% -4.556945e-01 </a:t>
+            </a:r>
+          </a:p>
+          <a:p>
+            <a:r>
+              <a:rPr lang="en-US" sz="1600" dirty="0"/>
+              <a:t>LTC% -5.310612e-01</a:t>
+            </a:r>
+          </a:p>
+        </p:txBody>
+      </p:sp>
     </p:spTree>
     <p:extLst>
       <p:ext uri="{BB962C8B-B14F-4D97-AF65-F5344CB8AC3E}">
